--- a/Bloque 2 - Instalación/Taller4 - Prerequisitos.pptx
+++ b/Bloque 2 - Instalación/Taller4 - Prerequisitos.pptx
@@ -6,11 +6,12 @@
     <p:sldMasterId id="2147483793" r:id="rId2"/>
   </p:sldMasterIdLst>
   <p:notesMasterIdLst>
-    <p:notesMasterId r:id="rId5"/>
+    <p:notesMasterId r:id="rId6"/>
   </p:notesMasterIdLst>
   <p:sldIdLst>
     <p:sldId id="291" r:id="rId3"/>
-    <p:sldId id="282" r:id="rId4"/>
+    <p:sldId id="292" r:id="rId4"/>
+    <p:sldId id="282" r:id="rId5"/>
   </p:sldIdLst>
   <p:sldSz cx="12192000" cy="6858000"/>
   <p:notesSz cx="6858000" cy="9144000"/>
@@ -3449,7 +3450,7 @@
           <a:p>
             <a:fld id="{A334C884-B1D7-A043-A4AA-521744755A4B}" type="datetimeFigureOut">
               <a:rPr lang="en-US" smtClean="0"/>
-              <a:t>4/2/2022</a:t>
+              <a:t>4/3/2022</a:t>
             </a:fld>
             <a:endParaRPr lang="en-US"/>
           </a:p>
@@ -3835,7 +3836,7 @@
           <a:p>
             <a:fld id="{E74353ED-ACB2-44BF-A903-985B0AF962B7}" type="datetime1">
               <a:rPr lang="en-US" smtClean="0"/>
-              <a:t>4/2/2022</a:t>
+              <a:t>4/3/2022</a:t>
             </a:fld>
             <a:endParaRPr lang="en-US" dirty="0"/>
           </a:p>
@@ -3859,7 +3860,7 @@
             <a:fld id="{B4008EB6-D09E-4580-8CD6-DDB14511944F}" type="slidenum">
               <a:rPr lang="en-US" smtClean="0"/>
               <a:pPr/>
-              <a:t>2</a:t>
+              <a:t>3</a:t>
             </a:fld>
             <a:endParaRPr lang="en-US" dirty="0"/>
           </a:p>
@@ -6557,7 +6558,7 @@
           <a:p>
             <a:fld id="{0A627400-D089-7447-864B-77479EBD4214}" type="datetimeFigureOut">
               <a:rPr lang="en-US" smtClean="0"/>
-              <a:t>4/2/2022</a:t>
+              <a:t>4/3/2022</a:t>
             </a:fld>
             <a:endParaRPr lang="en-US"/>
           </a:p>
@@ -6755,7 +6756,7 @@
           <a:p>
             <a:fld id="{0A627400-D089-7447-864B-77479EBD4214}" type="datetimeFigureOut">
               <a:rPr lang="en-US" smtClean="0"/>
-              <a:t>4/2/2022</a:t>
+              <a:t>4/3/2022</a:t>
             </a:fld>
             <a:endParaRPr lang="en-US"/>
           </a:p>
@@ -7030,7 +7031,7 @@
           <a:p>
             <a:fld id="{0A627400-D089-7447-864B-77479EBD4214}" type="datetimeFigureOut">
               <a:rPr lang="en-US" smtClean="0"/>
-              <a:t>4/2/2022</a:t>
+              <a:t>4/3/2022</a:t>
             </a:fld>
             <a:endParaRPr lang="en-US"/>
           </a:p>
@@ -7295,7 +7296,7 @@
           <a:p>
             <a:fld id="{0A627400-D089-7447-864B-77479EBD4214}" type="datetimeFigureOut">
               <a:rPr lang="en-US" smtClean="0"/>
-              <a:t>4/2/2022</a:t>
+              <a:t>4/3/2022</a:t>
             </a:fld>
             <a:endParaRPr lang="en-US"/>
           </a:p>
@@ -7907,7 +7908,7 @@
           <a:p>
             <a:fld id="{0A627400-D089-7447-864B-77479EBD4214}" type="datetimeFigureOut">
               <a:rPr lang="en-US" smtClean="0"/>
-              <a:t>4/2/2022</a:t>
+              <a:t>4/3/2022</a:t>
             </a:fld>
             <a:endParaRPr lang="en-US"/>
           </a:p>
@@ -8113,7 +8114,7 @@
           <a:p>
             <a:fld id="{0A627400-D089-7447-864B-77479EBD4214}" type="datetimeFigureOut">
               <a:rPr lang="en-US" smtClean="0"/>
-              <a:t>4/2/2022</a:t>
+              <a:t>4/3/2022</a:t>
             </a:fld>
             <a:endParaRPr lang="en-US"/>
           </a:p>
@@ -8255,7 +8256,7 @@
             <a:fld id="{0A627400-D089-7447-864B-77479EBD4214}" type="datetimeFigureOut">
               <a:rPr lang="en-US" smtClean="0"/>
               <a:pPr/>
-              <a:t>4/2/2022</a:t>
+              <a:t>4/3/2022</a:t>
             </a:fld>
             <a:endParaRPr lang="en-US"/>
           </a:p>
@@ -8419,7 +8420,7 @@
           <a:p>
             <a:fld id="{0A627400-D089-7447-864B-77479EBD4214}" type="datetimeFigureOut">
               <a:rPr lang="en-US" smtClean="0"/>
-              <a:t>4/2/2022</a:t>
+              <a:t>4/3/2022</a:t>
             </a:fld>
             <a:endParaRPr lang="en-US"/>
           </a:p>
@@ -8532,7 +8533,7 @@
           <a:p>
             <a:fld id="{0A627400-D089-7447-864B-77479EBD4214}" type="datetimeFigureOut">
               <a:rPr lang="en-US" smtClean="0"/>
-              <a:t>4/2/2022</a:t>
+              <a:t>4/3/2022</a:t>
             </a:fld>
             <a:endParaRPr lang="en-US"/>
           </a:p>
@@ -8843,7 +8844,7 @@
           <a:p>
             <a:fld id="{0A627400-D089-7447-864B-77479EBD4214}" type="datetimeFigureOut">
               <a:rPr lang="en-US" smtClean="0"/>
-              <a:t>4/2/2022</a:t>
+              <a:t>4/3/2022</a:t>
             </a:fld>
             <a:endParaRPr lang="en-US"/>
           </a:p>
@@ -9131,7 +9132,7 @@
           <a:p>
             <a:fld id="{0A627400-D089-7447-864B-77479EBD4214}" type="datetimeFigureOut">
               <a:rPr lang="en-US" smtClean="0"/>
-              <a:t>4/2/2022</a:t>
+              <a:t>4/3/2022</a:t>
             </a:fld>
             <a:endParaRPr lang="en-US"/>
           </a:p>
@@ -11383,7 +11384,7 @@
             <a:fld id="{0A627400-D089-7447-864B-77479EBD4214}" type="datetimeFigureOut">
               <a:rPr lang="en-US" smtClean="0"/>
               <a:pPr/>
-              <a:t>4/2/2022</a:t>
+              <a:t>4/3/2022</a:t>
             </a:fld>
             <a:endParaRPr lang="en-US"/>
           </a:p>
@@ -12112,6 +12113,435 @@
 </file>
 
 <file path=ppt/slides/slide2.xml><?xml version="1.0" encoding="utf-8"?>
+<p:sld xmlns:a="http://schemas.openxmlformats.org/drawingml/2006/main" xmlns:r="http://schemas.openxmlformats.org/officeDocument/2006/relationships" xmlns:p="http://schemas.openxmlformats.org/presentationml/2006/main">
+  <p:cSld>
+    <p:spTree>
+      <p:nvGrpSpPr>
+        <p:cNvPr id="1" name=""/>
+        <p:cNvGrpSpPr/>
+        <p:nvPr/>
+      </p:nvGrpSpPr>
+      <p:grpSpPr>
+        <a:xfrm>
+          <a:off x="0" y="0"/>
+          <a:ext cx="0" cy="0"/>
+          <a:chOff x="0" y="0"/>
+          <a:chExt cx="0" cy="0"/>
+        </a:xfrm>
+      </p:grpSpPr>
+      <p:sp>
+        <p:nvSpPr>
+          <p:cNvPr id="7" name="Title 6">
+            <a:extLst>
+              <a:ext uri="{FF2B5EF4-FFF2-40B4-BE49-F238E27FC236}">
+                <a16:creationId xmlns:a16="http://schemas.microsoft.com/office/drawing/2014/main" id="{30D4C0E2-314A-4C4C-96EA-51CE02A6CA6F}"/>
+              </a:ext>
+            </a:extLst>
+          </p:cNvPr>
+          <p:cNvSpPr>
+            <a:spLocks noGrp="1"/>
+          </p:cNvSpPr>
+          <p:nvPr>
+            <p:ph type="title"/>
+          </p:nvPr>
+        </p:nvSpPr>
+        <p:spPr/>
+        <p:txBody>
+          <a:bodyPr/>
+          <a:lstStyle/>
+          <a:p>
+            <a:r>
+              <a:rPr lang="es-ES" dirty="0"/>
+              <a:t>Requisitos</a:t>
+            </a:r>
+            <a:endParaRPr lang="en-US" dirty="0"/>
+          </a:p>
+        </p:txBody>
+      </p:sp>
+      <p:graphicFrame>
+        <p:nvGraphicFramePr>
+          <p:cNvPr id="9" name="Table 9">
+            <a:extLst>
+              <a:ext uri="{FF2B5EF4-FFF2-40B4-BE49-F238E27FC236}">
+                <a16:creationId xmlns:a16="http://schemas.microsoft.com/office/drawing/2014/main" id="{E5214884-91E3-467F-B4D1-48C3BAACEF33}"/>
+              </a:ext>
+            </a:extLst>
+          </p:cNvPr>
+          <p:cNvGraphicFramePr>
+            <a:graphicFrameLocks noGrp="1"/>
+          </p:cNvGraphicFramePr>
+          <p:nvPr>
+            <p:extLst>
+              <p:ext uri="{D42A27DB-BD31-4B8C-83A1-F6EECF244321}">
+                <p14:modId xmlns:p14="http://schemas.microsoft.com/office/powerpoint/2010/main" val="1753043991"/>
+              </p:ext>
+            </p:extLst>
+          </p:nvPr>
+        </p:nvGraphicFramePr>
+        <p:xfrm>
+          <a:off x="486004" y="1379542"/>
+          <a:ext cx="11118393" cy="2483612"/>
+        </p:xfrm>
+        <a:graphic>
+          <a:graphicData uri="http://schemas.openxmlformats.org/drawingml/2006/table">
+            <a:tbl>
+              <a:tblPr firstRow="1" bandRow="1">
+                <a:tableStyleId>{073A0DAA-6AF3-43AB-8588-CEC1D06C72B9}</a:tableStyleId>
+              </a:tblPr>
+              <a:tblGrid>
+                <a:gridCol w="3706131">
+                  <a:extLst>
+                    <a:ext uri="{9D8B030D-6E8A-4147-A177-3AD203B41FA5}">
+                      <a16:colId xmlns:a16="http://schemas.microsoft.com/office/drawing/2014/main" val="2536364664"/>
+                    </a:ext>
+                  </a:extLst>
+                </a:gridCol>
+                <a:gridCol w="3706131">
+                  <a:extLst>
+                    <a:ext uri="{9D8B030D-6E8A-4147-A177-3AD203B41FA5}">
+                      <a16:colId xmlns:a16="http://schemas.microsoft.com/office/drawing/2014/main" val="1397018411"/>
+                    </a:ext>
+                  </a:extLst>
+                </a:gridCol>
+                <a:gridCol w="3706131">
+                  <a:extLst>
+                    <a:ext uri="{9D8B030D-6E8A-4147-A177-3AD203B41FA5}">
+                      <a16:colId xmlns:a16="http://schemas.microsoft.com/office/drawing/2014/main" val="1208893031"/>
+                    </a:ext>
+                  </a:extLst>
+                </a:gridCol>
+              </a:tblGrid>
+              <a:tr h="370840">
+                <a:tc>
+                  <a:txBody>
+                    <a:bodyPr/>
+                    <a:lstStyle/>
+                    <a:p>
+                      <a:endParaRPr lang="en-US"/>
+                    </a:p>
+                  </a:txBody>
+                  <a:tcPr/>
+                </a:tc>
+                <a:tc>
+                  <a:txBody>
+                    <a:bodyPr/>
+                    <a:lstStyle/>
+                    <a:p>
+                      <a:r>
+                        <a:rPr lang="es-ES" dirty="0"/>
+                        <a:t>Windows</a:t>
+                      </a:r>
+                      <a:endParaRPr lang="en-US" dirty="0"/>
+                    </a:p>
+                  </a:txBody>
+                  <a:tcPr/>
+                </a:tc>
+                <a:tc>
+                  <a:txBody>
+                    <a:bodyPr/>
+                    <a:lstStyle/>
+                    <a:p>
+                      <a:r>
+                        <a:rPr lang="es-ES" dirty="0"/>
+                        <a:t>macOS</a:t>
+                      </a:r>
+                      <a:endParaRPr lang="en-US" dirty="0"/>
+                    </a:p>
+                  </a:txBody>
+                  <a:tcPr/>
+                </a:tc>
+                <a:extLst>
+                  <a:ext uri="{0D108BD9-81ED-4DB2-BD59-A6C34878D82A}">
+                    <a16:rowId xmlns:a16="http://schemas.microsoft.com/office/drawing/2014/main" val="3887744967"/>
+                  </a:ext>
+                </a:extLst>
+              </a:tr>
+              <a:tr h="370840">
+                <a:tc>
+                  <a:txBody>
+                    <a:bodyPr/>
+                    <a:lstStyle/>
+                    <a:p>
+                      <a:r>
+                        <a:rPr lang="es-ES" dirty="0"/>
+                        <a:t>IDE</a:t>
+                      </a:r>
+                      <a:endParaRPr lang="en-US" dirty="0"/>
+                    </a:p>
+                  </a:txBody>
+                  <a:tcPr/>
+                </a:tc>
+                <a:tc>
+                  <a:txBody>
+                    <a:bodyPr/>
+                    <a:lstStyle/>
+                    <a:p>
+                      <a:r>
+                        <a:rPr lang="es-ES" dirty="0"/>
+                        <a:t>Visual Studio 2022 17.2 </a:t>
+                      </a:r>
+                      <a:r>
+                        <a:rPr lang="es-ES" dirty="0" err="1"/>
+                        <a:t>Preview</a:t>
+                      </a:r>
+                      <a:endParaRPr lang="en-US" dirty="0"/>
+                    </a:p>
+                  </a:txBody>
+                  <a:tcPr/>
+                </a:tc>
+                <a:tc>
+                  <a:txBody>
+                    <a:bodyPr/>
+                    <a:lstStyle/>
+                    <a:p>
+                      <a:r>
+                        <a:rPr lang="es-ES" dirty="0"/>
+                        <a:t>Visual Studio </a:t>
+                      </a:r>
+                      <a:r>
+                        <a:rPr lang="es-ES" dirty="0" err="1"/>
+                        <a:t>for</a:t>
+                      </a:r>
+                      <a:r>
+                        <a:rPr lang="es-ES" dirty="0"/>
+                        <a:t> macOS 2022 </a:t>
+                      </a:r>
+                      <a:r>
+                        <a:rPr lang="es-ES" dirty="0" err="1"/>
+                        <a:t>Preview</a:t>
+                      </a:r>
+                      <a:endParaRPr lang="en-US" dirty="0"/>
+                    </a:p>
+                  </a:txBody>
+                  <a:tcPr/>
+                </a:tc>
+                <a:extLst>
+                  <a:ext uri="{0D108BD9-81ED-4DB2-BD59-A6C34878D82A}">
+                    <a16:rowId xmlns:a16="http://schemas.microsoft.com/office/drawing/2014/main" val="1839384773"/>
+                  </a:ext>
+                </a:extLst>
+              </a:tr>
+              <a:tr h="370840">
+                <a:tc>
+                  <a:txBody>
+                    <a:bodyPr/>
+                    <a:lstStyle/>
+                    <a:p>
+                      <a:r>
+                        <a:rPr lang="es-ES" dirty="0"/>
+                        <a:t>Crear Apps para iOS</a:t>
+                      </a:r>
+                      <a:endParaRPr lang="en-US" dirty="0"/>
+                    </a:p>
+                  </a:txBody>
+                  <a:tcPr/>
+                </a:tc>
+                <a:tc>
+                  <a:txBody>
+                    <a:bodyPr/>
+                    <a:lstStyle/>
+                    <a:p>
+                      <a:r>
+                        <a:rPr lang="es-ES" dirty="0"/>
+                        <a:t>Si, pero con una conexión a un </a:t>
+                      </a:r>
+                      <a:r>
+                        <a:rPr lang="es-ES" dirty="0" err="1"/>
+                        <a:t>mac</a:t>
+                      </a:r>
+                      <a:endParaRPr lang="en-US" dirty="0"/>
+                    </a:p>
+                  </a:txBody>
+                  <a:tcPr/>
+                </a:tc>
+                <a:tc>
+                  <a:txBody>
+                    <a:bodyPr/>
+                    <a:lstStyle/>
+                    <a:p>
+                      <a:r>
+                        <a:rPr lang="es-ES" dirty="0"/>
+                        <a:t>Si</a:t>
+                      </a:r>
+                      <a:endParaRPr lang="en-US" dirty="0"/>
+                    </a:p>
+                  </a:txBody>
+                  <a:tcPr/>
+                </a:tc>
+                <a:extLst>
+                  <a:ext uri="{0D108BD9-81ED-4DB2-BD59-A6C34878D82A}">
+                    <a16:rowId xmlns:a16="http://schemas.microsoft.com/office/drawing/2014/main" val="2217970495"/>
+                  </a:ext>
+                </a:extLst>
+              </a:tr>
+              <a:tr h="370840">
+                <a:tc>
+                  <a:txBody>
+                    <a:bodyPr/>
+                    <a:lstStyle/>
+                    <a:p>
+                      <a:r>
+                        <a:rPr lang="es-ES" dirty="0"/>
+                        <a:t>Crear Apps para Android</a:t>
+                      </a:r>
+                      <a:endParaRPr lang="en-US" dirty="0"/>
+                    </a:p>
+                  </a:txBody>
+                  <a:tcPr/>
+                </a:tc>
+                <a:tc>
+                  <a:txBody>
+                    <a:bodyPr/>
+                    <a:lstStyle/>
+                    <a:p>
+                      <a:r>
+                        <a:rPr lang="es-ES" dirty="0"/>
+                        <a:t>Si</a:t>
+                      </a:r>
+                      <a:endParaRPr lang="en-US" dirty="0"/>
+                    </a:p>
+                  </a:txBody>
+                  <a:tcPr/>
+                </a:tc>
+                <a:tc>
+                  <a:txBody>
+                    <a:bodyPr/>
+                    <a:lstStyle/>
+                    <a:p>
+                      <a:r>
+                        <a:rPr lang="es-ES" dirty="0"/>
+                        <a:t>Si</a:t>
+                      </a:r>
+                      <a:endParaRPr lang="en-US" dirty="0"/>
+                    </a:p>
+                  </a:txBody>
+                  <a:tcPr/>
+                </a:tc>
+                <a:extLst>
+                  <a:ext uri="{0D108BD9-81ED-4DB2-BD59-A6C34878D82A}">
+                    <a16:rowId xmlns:a16="http://schemas.microsoft.com/office/drawing/2014/main" val="1882533893"/>
+                  </a:ext>
+                </a:extLst>
+              </a:tr>
+              <a:tr h="370840">
+                <a:tc>
+                  <a:txBody>
+                    <a:bodyPr/>
+                    <a:lstStyle/>
+                    <a:p>
+                      <a:r>
+                        <a:rPr lang="es-ES" dirty="0"/>
+                        <a:t>Crear Apps para Windows</a:t>
+                      </a:r>
+                      <a:endParaRPr lang="en-US" dirty="0"/>
+                    </a:p>
+                  </a:txBody>
+                  <a:tcPr/>
+                </a:tc>
+                <a:tc>
+                  <a:txBody>
+                    <a:bodyPr/>
+                    <a:lstStyle/>
+                    <a:p>
+                      <a:r>
+                        <a:rPr lang="es-ES" dirty="0"/>
+                        <a:t>Si</a:t>
+                      </a:r>
+                      <a:endParaRPr lang="en-US" dirty="0"/>
+                    </a:p>
+                  </a:txBody>
+                  <a:tcPr/>
+                </a:tc>
+                <a:tc>
+                  <a:txBody>
+                    <a:bodyPr/>
+                    <a:lstStyle/>
+                    <a:p>
+                      <a:r>
+                        <a:rPr lang="es-ES" dirty="0"/>
+                        <a:t>No</a:t>
+                      </a:r>
+                      <a:endParaRPr lang="en-US" dirty="0"/>
+                    </a:p>
+                  </a:txBody>
+                  <a:tcPr/>
+                </a:tc>
+                <a:extLst>
+                  <a:ext uri="{0D108BD9-81ED-4DB2-BD59-A6C34878D82A}">
+                    <a16:rowId xmlns:a16="http://schemas.microsoft.com/office/drawing/2014/main" val="1018958997"/>
+                  </a:ext>
+                </a:extLst>
+              </a:tr>
+              <a:tr h="370840">
+                <a:tc>
+                  <a:txBody>
+                    <a:bodyPr/>
+                    <a:lstStyle/>
+                    <a:p>
+                      <a:r>
+                        <a:rPr lang="es-ES" dirty="0"/>
+                        <a:t>Crear Apps para macOS</a:t>
+                      </a:r>
+                      <a:endParaRPr lang="en-US" dirty="0"/>
+                    </a:p>
+                  </a:txBody>
+                  <a:tcPr/>
+                </a:tc>
+                <a:tc>
+                  <a:txBody>
+                    <a:bodyPr/>
+                    <a:lstStyle/>
+                    <a:p>
+                      <a:r>
+                        <a:rPr lang="es-ES" dirty="0"/>
+                        <a:t>No</a:t>
+                      </a:r>
+                      <a:endParaRPr lang="en-US" dirty="0"/>
+                    </a:p>
+                  </a:txBody>
+                  <a:tcPr/>
+                </a:tc>
+                <a:tc>
+                  <a:txBody>
+                    <a:bodyPr/>
+                    <a:lstStyle/>
+                    <a:p>
+                      <a:r>
+                        <a:rPr lang="es-ES" dirty="0"/>
+                        <a:t>Si</a:t>
+                      </a:r>
+                      <a:endParaRPr lang="en-US" dirty="0"/>
+                    </a:p>
+                  </a:txBody>
+                  <a:tcPr/>
+                </a:tc>
+                <a:extLst>
+                  <a:ext uri="{0D108BD9-81ED-4DB2-BD59-A6C34878D82A}">
+                    <a16:rowId xmlns:a16="http://schemas.microsoft.com/office/drawing/2014/main" val="2165840115"/>
+                  </a:ext>
+                </a:extLst>
+              </a:tr>
+            </a:tbl>
+          </a:graphicData>
+        </a:graphic>
+      </p:graphicFrame>
+    </p:spTree>
+    <p:extLst>
+      <p:ext uri="{BB962C8B-B14F-4D97-AF65-F5344CB8AC3E}">
+        <p14:creationId xmlns:p14="http://schemas.microsoft.com/office/powerpoint/2010/main" val="3097459330"/>
+      </p:ext>
+    </p:extLst>
+  </p:cSld>
+  <p:clrMapOvr>
+    <a:masterClrMapping/>
+  </p:clrMapOvr>
+  <p:transition>
+    <p:fade/>
+  </p:transition>
+</p:sld>
+</file>
+
+<file path=ppt/slides/slide3.xml><?xml version="1.0" encoding="utf-8"?>
 <p:sld xmlns:a="http://schemas.openxmlformats.org/drawingml/2006/main" xmlns:r="http://schemas.openxmlformats.org/officeDocument/2006/relationships" xmlns:p="http://schemas.openxmlformats.org/presentationml/2006/main">
   <p:cSld>
     <p:spTree>

--- a/Bloque 2 - Instalación/Taller4 - Prerequisitos.pptx
+++ b/Bloque 2 - Instalación/Taller4 - Prerequisitos.pptx
@@ -6,12 +6,13 @@
     <p:sldMasterId id="2147483793" r:id="rId2"/>
   </p:sldMasterIdLst>
   <p:notesMasterIdLst>
-    <p:notesMasterId r:id="rId6"/>
+    <p:notesMasterId r:id="rId7"/>
   </p:notesMasterIdLst>
   <p:sldIdLst>
     <p:sldId id="291" r:id="rId3"/>
     <p:sldId id="292" r:id="rId4"/>
-    <p:sldId id="282" r:id="rId5"/>
+    <p:sldId id="2147469519" r:id="rId5"/>
+    <p:sldId id="282" r:id="rId6"/>
   </p:sldIdLst>
   <p:sldSz cx="12192000" cy="6858000"/>
   <p:notesSz cx="6858000" cy="9144000"/>
@@ -3450,7 +3451,7 @@
           <a:p>
             <a:fld id="{A334C884-B1D7-A043-A4AA-521744755A4B}" type="datetimeFigureOut">
               <a:rPr lang="en-US" smtClean="0"/>
-              <a:t>4/3/2022</a:t>
+              <a:t>4/17/2022</a:t>
             </a:fld>
             <a:endParaRPr lang="en-US"/>
           </a:p>
@@ -3836,7 +3837,7 @@
           <a:p>
             <a:fld id="{E74353ED-ACB2-44BF-A903-985B0AF962B7}" type="datetime1">
               <a:rPr lang="en-US" smtClean="0"/>
-              <a:t>4/3/2022</a:t>
+              <a:t>4/17/2022</a:t>
             </a:fld>
             <a:endParaRPr lang="en-US" dirty="0"/>
           </a:p>
@@ -3860,7 +3861,7 @@
             <a:fld id="{B4008EB6-D09E-4580-8CD6-DDB14511944F}" type="slidenum">
               <a:rPr lang="en-US" smtClean="0"/>
               <a:pPr/>
-              <a:t>3</a:t>
+              <a:t>4</a:t>
             </a:fld>
             <a:endParaRPr lang="en-US" dirty="0"/>
           </a:p>
@@ -6558,7 +6559,7 @@
           <a:p>
             <a:fld id="{0A627400-D089-7447-864B-77479EBD4214}" type="datetimeFigureOut">
               <a:rPr lang="en-US" smtClean="0"/>
-              <a:t>4/3/2022</a:t>
+              <a:t>4/17/2022</a:t>
             </a:fld>
             <a:endParaRPr lang="en-US"/>
           </a:p>
@@ -6756,7 +6757,7 @@
           <a:p>
             <a:fld id="{0A627400-D089-7447-864B-77479EBD4214}" type="datetimeFigureOut">
               <a:rPr lang="en-US" smtClean="0"/>
-              <a:t>4/3/2022</a:t>
+              <a:t>4/17/2022</a:t>
             </a:fld>
             <a:endParaRPr lang="en-US"/>
           </a:p>
@@ -7031,7 +7032,7 @@
           <a:p>
             <a:fld id="{0A627400-D089-7447-864B-77479EBD4214}" type="datetimeFigureOut">
               <a:rPr lang="en-US" smtClean="0"/>
-              <a:t>4/3/2022</a:t>
+              <a:t>4/17/2022</a:t>
             </a:fld>
             <a:endParaRPr lang="en-US"/>
           </a:p>
@@ -7296,7 +7297,7 @@
           <a:p>
             <a:fld id="{0A627400-D089-7447-864B-77479EBD4214}" type="datetimeFigureOut">
               <a:rPr lang="en-US" smtClean="0"/>
-              <a:t>4/3/2022</a:t>
+              <a:t>4/17/2022</a:t>
             </a:fld>
             <a:endParaRPr lang="en-US"/>
           </a:p>
@@ -7908,7 +7909,7 @@
           <a:p>
             <a:fld id="{0A627400-D089-7447-864B-77479EBD4214}" type="datetimeFigureOut">
               <a:rPr lang="en-US" smtClean="0"/>
-              <a:t>4/3/2022</a:t>
+              <a:t>4/17/2022</a:t>
             </a:fld>
             <a:endParaRPr lang="en-US"/>
           </a:p>
@@ -8114,7 +8115,7 @@
           <a:p>
             <a:fld id="{0A627400-D089-7447-864B-77479EBD4214}" type="datetimeFigureOut">
               <a:rPr lang="en-US" smtClean="0"/>
-              <a:t>4/3/2022</a:t>
+              <a:t>4/17/2022</a:t>
             </a:fld>
             <a:endParaRPr lang="en-US"/>
           </a:p>
@@ -8256,7 +8257,7 @@
             <a:fld id="{0A627400-D089-7447-864B-77479EBD4214}" type="datetimeFigureOut">
               <a:rPr lang="en-US" smtClean="0"/>
               <a:pPr/>
-              <a:t>4/3/2022</a:t>
+              <a:t>4/17/2022</a:t>
             </a:fld>
             <a:endParaRPr lang="en-US"/>
           </a:p>
@@ -8420,7 +8421,7 @@
           <a:p>
             <a:fld id="{0A627400-D089-7447-864B-77479EBD4214}" type="datetimeFigureOut">
               <a:rPr lang="en-US" smtClean="0"/>
-              <a:t>4/3/2022</a:t>
+              <a:t>4/17/2022</a:t>
             </a:fld>
             <a:endParaRPr lang="en-US"/>
           </a:p>
@@ -8533,7 +8534,7 @@
           <a:p>
             <a:fld id="{0A627400-D089-7447-864B-77479EBD4214}" type="datetimeFigureOut">
               <a:rPr lang="en-US" smtClean="0"/>
-              <a:t>4/3/2022</a:t>
+              <a:t>4/17/2022</a:t>
             </a:fld>
             <a:endParaRPr lang="en-US"/>
           </a:p>
@@ -8844,7 +8845,7 @@
           <a:p>
             <a:fld id="{0A627400-D089-7447-864B-77479EBD4214}" type="datetimeFigureOut">
               <a:rPr lang="en-US" smtClean="0"/>
-              <a:t>4/3/2022</a:t>
+              <a:t>4/17/2022</a:t>
             </a:fld>
             <a:endParaRPr lang="en-US"/>
           </a:p>
@@ -9132,7 +9133,7 @@
           <a:p>
             <a:fld id="{0A627400-D089-7447-864B-77479EBD4214}" type="datetimeFigureOut">
               <a:rPr lang="en-US" smtClean="0"/>
-              <a:t>4/3/2022</a:t>
+              <a:t>4/17/2022</a:t>
             </a:fld>
             <a:endParaRPr lang="en-US"/>
           </a:p>
@@ -11384,7 +11385,7 @@
             <a:fld id="{0A627400-D089-7447-864B-77479EBD4214}" type="datetimeFigureOut">
               <a:rPr lang="en-US" smtClean="0"/>
               <a:pPr/>
-              <a:t>4/3/2022</a:t>
+              <a:t>4/17/2022</a:t>
             </a:fld>
             <a:endParaRPr lang="en-US"/>
           </a:p>
@@ -12542,6 +12543,711 @@
 </file>
 
 <file path=ppt/slides/slide3.xml><?xml version="1.0" encoding="utf-8"?>
+<p:sld xmlns:a="http://schemas.openxmlformats.org/drawingml/2006/main" xmlns:r="http://schemas.openxmlformats.org/officeDocument/2006/relationships" xmlns:p="http://schemas.openxmlformats.org/presentationml/2006/main">
+  <p:cSld>
+    <p:spTree>
+      <p:nvGrpSpPr>
+        <p:cNvPr id="1" name=""/>
+        <p:cNvGrpSpPr/>
+        <p:nvPr/>
+      </p:nvGrpSpPr>
+      <p:grpSpPr>
+        <a:xfrm>
+          <a:off x="0" y="0"/>
+          <a:ext cx="0" cy="0"/>
+          <a:chOff x="0" y="0"/>
+          <a:chExt cx="0" cy="0"/>
+        </a:xfrm>
+      </p:grpSpPr>
+      <p:sp>
+        <p:nvSpPr>
+          <p:cNvPr id="5" name="Title 1">
+            <a:extLst>
+              <a:ext uri="{FF2B5EF4-FFF2-40B4-BE49-F238E27FC236}">
+                <a16:creationId xmlns:a16="http://schemas.microsoft.com/office/drawing/2014/main" id="{01388D49-B47C-45BB-B53B-F6092580BE6E}"/>
+              </a:ext>
+            </a:extLst>
+          </p:cNvPr>
+          <p:cNvSpPr>
+            <a:spLocks noGrp="1"/>
+          </p:cNvSpPr>
+          <p:nvPr>
+            <p:ph type="title"/>
+          </p:nvPr>
+        </p:nvSpPr>
+        <p:spPr>
+          <a:xfrm>
+            <a:off x="457200" y="1123122"/>
+            <a:ext cx="7706412" cy="591378"/>
+          </a:xfrm>
+        </p:spPr>
+        <p:txBody>
+          <a:bodyPr>
+            <a:noAutofit/>
+          </a:bodyPr>
+          <a:lstStyle/>
+          <a:p>
+            <a:r>
+              <a:rPr lang="en-US" sz="4710" dirty="0" err="1">
+                <a:latin typeface="Segoe UI Light (Headings)"/>
+                <a:cs typeface="Segoe UI Semibold"/>
+              </a:rPr>
+              <a:t>Prerequisitos</a:t>
+            </a:r>
+            <a:endParaRPr lang="en-US" sz="4710" dirty="0">
+              <a:latin typeface="Segoe UI Light (Headings)"/>
+            </a:endParaRPr>
+          </a:p>
+        </p:txBody>
+      </p:sp>
+      <p:sp>
+        <p:nvSpPr>
+          <p:cNvPr id="6" name="Content Placeholder 2">
+            <a:extLst>
+              <a:ext uri="{FF2B5EF4-FFF2-40B4-BE49-F238E27FC236}">
+                <a16:creationId xmlns:a16="http://schemas.microsoft.com/office/drawing/2014/main" id="{AC81F8B9-8203-4DB3-932F-AB15DF79780D}"/>
+              </a:ext>
+            </a:extLst>
+          </p:cNvPr>
+          <p:cNvSpPr txBox="1">
+            <a:spLocks/>
+          </p:cNvSpPr>
+          <p:nvPr/>
+        </p:nvSpPr>
+        <p:spPr>
+          <a:xfrm>
+            <a:off x="457200" y="2142642"/>
+            <a:ext cx="11034074" cy="3761754"/>
+          </a:xfrm>
+          <a:prstGeom prst="rect">
+            <a:avLst/>
+          </a:prstGeom>
+        </p:spPr>
+        <p:txBody>
+          <a:bodyPr vert="horz" lIns="91440" tIns="45720" rIns="91440" bIns="45720" rtlCol="0" anchor="t">
+            <a:normAutofit/>
+          </a:bodyPr>
+          <a:lstStyle>
+            <a:lvl1pPr marL="336145" marR="0" indent="-336145" algn="l" defTabSz="914367" rtl="0" eaLnBrk="1" fontAlgn="auto" latinLnBrk="0" hangingPunct="1">
+              <a:lnSpc>
+                <a:spcPct val="90000"/>
+              </a:lnSpc>
+              <a:spcBef>
+                <a:spcPct val="20000"/>
+              </a:spcBef>
+              <a:spcAft>
+                <a:spcPts val="0"/>
+              </a:spcAft>
+              <a:buClrTx/>
+              <a:buSzPct val="90000"/>
+              <a:buFont typeface="Arial" pitchFamily="34" charset="0"/>
+              <a:buChar char="•"/>
+              <a:tabLst/>
+              <a:defRPr sz="3921" kern="1200" spc="0" baseline="0">
+                <a:gradFill>
+                  <a:gsLst>
+                    <a:gs pos="1250">
+                      <a:schemeClr val="tx1"/>
+                    </a:gs>
+                    <a:gs pos="100000">
+                      <a:schemeClr val="tx1"/>
+                    </a:gs>
+                  </a:gsLst>
+                  <a:lin ang="5400000" scaled="0"/>
+                </a:gradFill>
+                <a:latin typeface="+mj-lt"/>
+                <a:ea typeface="+mn-ea"/>
+                <a:cs typeface="+mn-cs"/>
+              </a:defRPr>
+            </a:lvl1pPr>
+            <a:lvl2pPr marL="572691" marR="0" indent="-236546" algn="l" defTabSz="914367" rtl="0" eaLnBrk="1" fontAlgn="auto" latinLnBrk="0" hangingPunct="1">
+              <a:lnSpc>
+                <a:spcPct val="90000"/>
+              </a:lnSpc>
+              <a:spcBef>
+                <a:spcPct val="20000"/>
+              </a:spcBef>
+              <a:spcAft>
+                <a:spcPts val="0"/>
+              </a:spcAft>
+              <a:buClrTx/>
+              <a:buSzPct val="90000"/>
+              <a:buFont typeface="Arial" pitchFamily="34" charset="0"/>
+              <a:buChar char="•"/>
+              <a:tabLst/>
+              <a:defRPr sz="2353" kern="1200" spc="0" baseline="0">
+                <a:gradFill>
+                  <a:gsLst>
+                    <a:gs pos="1250">
+                      <a:schemeClr val="tx1"/>
+                    </a:gs>
+                    <a:gs pos="100000">
+                      <a:schemeClr val="tx1"/>
+                    </a:gs>
+                  </a:gsLst>
+                  <a:lin ang="5400000" scaled="0"/>
+                </a:gradFill>
+                <a:latin typeface="+mn-lt"/>
+                <a:ea typeface="+mn-ea"/>
+                <a:cs typeface="+mn-cs"/>
+              </a:defRPr>
+            </a:lvl2pPr>
+            <a:lvl3pPr marL="784338" marR="0" indent="-224097" algn="l" defTabSz="914367" rtl="0" eaLnBrk="1" fontAlgn="auto" latinLnBrk="0" hangingPunct="1">
+              <a:lnSpc>
+                <a:spcPct val="90000"/>
+              </a:lnSpc>
+              <a:spcBef>
+                <a:spcPct val="20000"/>
+              </a:spcBef>
+              <a:spcAft>
+                <a:spcPts val="0"/>
+              </a:spcAft>
+              <a:buClrTx/>
+              <a:buSzPct val="90000"/>
+              <a:buFont typeface="Arial" pitchFamily="34" charset="0"/>
+              <a:buChar char="•"/>
+              <a:tabLst/>
+              <a:defRPr sz="1961" kern="1200" spc="0" baseline="0">
+                <a:gradFill>
+                  <a:gsLst>
+                    <a:gs pos="1250">
+                      <a:schemeClr val="tx1"/>
+                    </a:gs>
+                    <a:gs pos="100000">
+                      <a:schemeClr val="tx1"/>
+                    </a:gs>
+                  </a:gsLst>
+                  <a:lin ang="5400000" scaled="0"/>
+                </a:gradFill>
+                <a:latin typeface="+mn-lt"/>
+                <a:ea typeface="+mn-ea"/>
+                <a:cs typeface="+mn-cs"/>
+              </a:defRPr>
+            </a:lvl3pPr>
+            <a:lvl4pPr marL="1008435" marR="0" indent="-224097" algn="l" defTabSz="914367" rtl="0" eaLnBrk="1" fontAlgn="auto" latinLnBrk="0" hangingPunct="1">
+              <a:lnSpc>
+                <a:spcPct val="90000"/>
+              </a:lnSpc>
+              <a:spcBef>
+                <a:spcPct val="20000"/>
+              </a:spcBef>
+              <a:spcAft>
+                <a:spcPts val="0"/>
+              </a:spcAft>
+              <a:buClrTx/>
+              <a:buSzPct val="90000"/>
+              <a:buFont typeface="Arial" pitchFamily="34" charset="0"/>
+              <a:buChar char="•"/>
+              <a:tabLst/>
+              <a:defRPr sz="1765" kern="1200" spc="0" baseline="0">
+                <a:gradFill>
+                  <a:gsLst>
+                    <a:gs pos="1250">
+                      <a:schemeClr val="tx1"/>
+                    </a:gs>
+                    <a:gs pos="100000">
+                      <a:schemeClr val="tx1"/>
+                    </a:gs>
+                  </a:gsLst>
+                  <a:lin ang="5400000" scaled="0"/>
+                </a:gradFill>
+                <a:latin typeface="+mn-lt"/>
+                <a:ea typeface="+mn-ea"/>
+                <a:cs typeface="+mn-cs"/>
+              </a:defRPr>
+            </a:lvl4pPr>
+            <a:lvl5pPr marL="1232531" marR="0" indent="-224097" algn="l" defTabSz="914367" rtl="0" eaLnBrk="1" fontAlgn="auto" latinLnBrk="0" hangingPunct="1">
+              <a:lnSpc>
+                <a:spcPct val="90000"/>
+              </a:lnSpc>
+              <a:spcBef>
+                <a:spcPct val="20000"/>
+              </a:spcBef>
+              <a:spcAft>
+                <a:spcPts val="0"/>
+              </a:spcAft>
+              <a:buClrTx/>
+              <a:buSzPct val="90000"/>
+              <a:buFont typeface="Arial" pitchFamily="34" charset="0"/>
+              <a:buChar char="•"/>
+              <a:tabLst/>
+              <a:defRPr sz="1765" kern="1200" spc="0" baseline="0">
+                <a:gradFill>
+                  <a:gsLst>
+                    <a:gs pos="1250">
+                      <a:schemeClr val="tx1"/>
+                    </a:gs>
+                    <a:gs pos="100000">
+                      <a:schemeClr val="tx1"/>
+                    </a:gs>
+                  </a:gsLst>
+                  <a:lin ang="5400000" scaled="0"/>
+                </a:gradFill>
+                <a:latin typeface="+mn-lt"/>
+                <a:ea typeface="+mn-ea"/>
+                <a:cs typeface="+mn-cs"/>
+              </a:defRPr>
+            </a:lvl5pPr>
+            <a:lvl6pPr marL="2514509" indent="-228592" algn="l" defTabSz="914367" rtl="0" eaLnBrk="1" latinLnBrk="0" hangingPunct="1">
+              <a:spcBef>
+                <a:spcPct val="20000"/>
+              </a:spcBef>
+              <a:buFont typeface="Arial" pitchFamily="34" charset="0"/>
+              <a:buChar char="•"/>
+              <a:defRPr sz="1961" kern="1200">
+                <a:solidFill>
+                  <a:schemeClr val="tx1"/>
+                </a:solidFill>
+                <a:latin typeface="+mn-lt"/>
+                <a:ea typeface="+mn-ea"/>
+                <a:cs typeface="+mn-cs"/>
+              </a:defRPr>
+            </a:lvl6pPr>
+            <a:lvl7pPr marL="2971693" indent="-228592" algn="l" defTabSz="914367" rtl="0" eaLnBrk="1" latinLnBrk="0" hangingPunct="1">
+              <a:spcBef>
+                <a:spcPct val="20000"/>
+              </a:spcBef>
+              <a:buFont typeface="Arial" pitchFamily="34" charset="0"/>
+              <a:buChar char="•"/>
+              <a:defRPr sz="1961" kern="1200">
+                <a:solidFill>
+                  <a:schemeClr val="tx1"/>
+                </a:solidFill>
+                <a:latin typeface="+mn-lt"/>
+                <a:ea typeface="+mn-ea"/>
+                <a:cs typeface="+mn-cs"/>
+              </a:defRPr>
+            </a:lvl7pPr>
+            <a:lvl8pPr marL="3428877" indent="-228592" algn="l" defTabSz="914367" rtl="0" eaLnBrk="1" latinLnBrk="0" hangingPunct="1">
+              <a:spcBef>
+                <a:spcPct val="20000"/>
+              </a:spcBef>
+              <a:buFont typeface="Arial" pitchFamily="34" charset="0"/>
+              <a:buChar char="•"/>
+              <a:defRPr sz="1961" kern="1200">
+                <a:solidFill>
+                  <a:schemeClr val="tx1"/>
+                </a:solidFill>
+                <a:latin typeface="+mn-lt"/>
+                <a:ea typeface="+mn-ea"/>
+                <a:cs typeface="+mn-cs"/>
+              </a:defRPr>
+            </a:lvl8pPr>
+            <a:lvl9pPr marL="3886061" indent="-228592" algn="l" defTabSz="914367" rtl="0" eaLnBrk="1" latinLnBrk="0" hangingPunct="1">
+              <a:spcBef>
+                <a:spcPct val="20000"/>
+              </a:spcBef>
+              <a:buFont typeface="Arial" pitchFamily="34" charset="0"/>
+              <a:buChar char="•"/>
+              <a:defRPr sz="1961" kern="1200">
+                <a:solidFill>
+                  <a:schemeClr val="tx1"/>
+                </a:solidFill>
+                <a:latin typeface="+mn-lt"/>
+                <a:ea typeface="+mn-ea"/>
+                <a:cs typeface="+mn-cs"/>
+              </a:defRPr>
+            </a:lvl9pPr>
+          </a:lstStyle>
+          <a:p>
+            <a:pPr marL="0" indent="0">
+              <a:lnSpc>
+                <a:spcPct val="150000"/>
+              </a:lnSpc>
+              <a:buNone/>
+            </a:pPr>
+            <a:r>
+              <a:rPr lang="en-US" sz="2400" dirty="0">
+                <a:latin typeface="+mn-lt"/>
+              </a:rPr>
+              <a:t>Los </a:t>
+            </a:r>
+            <a:r>
+              <a:rPr lang="en-US" sz="2400" dirty="0" err="1">
+                <a:latin typeface="+mn-lt"/>
+              </a:rPr>
+              <a:t>requisitos</a:t>
+            </a:r>
+            <a:r>
+              <a:rPr lang="en-US" sz="2400" dirty="0">
+                <a:latin typeface="+mn-lt"/>
+              </a:rPr>
+              <a:t> para </a:t>
+            </a:r>
+            <a:r>
+              <a:rPr lang="en-US" sz="2400" dirty="0" err="1">
+                <a:latin typeface="+mn-lt"/>
+              </a:rPr>
+              <a:t>poder</a:t>
+            </a:r>
+            <a:r>
+              <a:rPr lang="en-US" sz="2400" dirty="0">
+                <a:latin typeface="+mn-lt"/>
+              </a:rPr>
+              <a:t> </a:t>
+            </a:r>
+            <a:r>
+              <a:rPr lang="en-US" sz="2400" dirty="0" err="1">
+                <a:latin typeface="+mn-lt"/>
+              </a:rPr>
+              <a:t>trabajar</a:t>
+            </a:r>
+            <a:r>
+              <a:rPr lang="en-US" sz="2400" dirty="0">
+                <a:latin typeface="+mn-lt"/>
+              </a:rPr>
+              <a:t> con .NET MAUI son:</a:t>
+            </a:r>
+          </a:p>
+          <a:p>
+            <a:pPr marL="285750" indent="-285750">
+              <a:buFont typeface="Arial" panose="020B0604020202020204" pitchFamily="34" charset="0"/>
+              <a:buChar char="•"/>
+            </a:pPr>
+            <a:r>
+              <a:rPr lang="en-US" sz="2400" dirty="0" err="1">
+                <a:latin typeface="+mn-lt"/>
+              </a:rPr>
+              <a:t>Idealmente</a:t>
+            </a:r>
+            <a:r>
+              <a:rPr lang="en-US" sz="2400" dirty="0">
+                <a:latin typeface="+mn-lt"/>
+              </a:rPr>
+              <a:t>, por </a:t>
+            </a:r>
+            <a:r>
+              <a:rPr lang="en-US" sz="2400" dirty="0" err="1">
+                <a:latin typeface="+mn-lt"/>
+              </a:rPr>
+              <a:t>ahora</a:t>
+            </a:r>
+            <a:r>
+              <a:rPr lang="en-US" sz="2400" dirty="0">
+                <a:latin typeface="+mn-lt"/>
+              </a:rPr>
+              <a:t>, una </a:t>
+            </a:r>
+            <a:r>
+              <a:rPr lang="en-US" sz="2400" dirty="0" err="1">
+                <a:latin typeface="+mn-lt"/>
+              </a:rPr>
+              <a:t>máquina</a:t>
+            </a:r>
+            <a:r>
+              <a:rPr lang="en-US" sz="2400" dirty="0">
+                <a:latin typeface="+mn-lt"/>
+              </a:rPr>
+              <a:t> con Windows y al </a:t>
+            </a:r>
+            <a:r>
+              <a:rPr lang="en-US" sz="2400" dirty="0" err="1">
+                <a:latin typeface="+mn-lt"/>
+              </a:rPr>
+              <a:t>menos</a:t>
+            </a:r>
+            <a:r>
+              <a:rPr lang="en-US" sz="2400" dirty="0">
+                <a:latin typeface="+mn-lt"/>
+              </a:rPr>
+              <a:t> </a:t>
+            </a:r>
+            <a:r>
+              <a:rPr lang="en-US" sz="2400" b="1" dirty="0">
+                <a:latin typeface="+mn-lt"/>
+              </a:rPr>
+              <a:t>20GB de </a:t>
+            </a:r>
+            <a:r>
+              <a:rPr lang="en-US" sz="2400" b="1" dirty="0" err="1">
+                <a:latin typeface="+mn-lt"/>
+              </a:rPr>
+              <a:t>espacio</a:t>
+            </a:r>
+            <a:r>
+              <a:rPr lang="en-US" sz="2400" b="1" dirty="0">
+                <a:latin typeface="+mn-lt"/>
+              </a:rPr>
+              <a:t> </a:t>
+            </a:r>
+            <a:r>
+              <a:rPr lang="en-US" sz="2400" b="1" dirty="0" err="1">
+                <a:latin typeface="+mn-lt"/>
+              </a:rPr>
+              <a:t>en</a:t>
+            </a:r>
+            <a:r>
+              <a:rPr lang="en-US" sz="2400" b="1" dirty="0">
+                <a:latin typeface="+mn-lt"/>
+              </a:rPr>
+              <a:t> disco</a:t>
+            </a:r>
+            <a:r>
+              <a:rPr lang="en-US" sz="2400" dirty="0">
+                <a:latin typeface="+mn-lt"/>
+              </a:rPr>
+              <a:t>.</a:t>
+            </a:r>
+          </a:p>
+          <a:p>
+            <a:pPr marL="285750" indent="-285750">
+              <a:buFont typeface="Arial" panose="020B0604020202020204" pitchFamily="34" charset="0"/>
+              <a:buChar char="•"/>
+            </a:pPr>
+            <a:r>
+              <a:rPr lang="en-US" sz="2400" b="1" dirty="0">
+                <a:latin typeface="+mn-lt"/>
+              </a:rPr>
+              <a:t>Visual Studio 2022 17.2.0 </a:t>
+            </a:r>
+            <a:r>
+              <a:rPr lang="en-US" sz="2400" dirty="0">
+                <a:latin typeface="+mn-lt"/>
+              </a:rPr>
+              <a:t>o superior.</a:t>
+            </a:r>
+          </a:p>
+          <a:p>
+            <a:pPr marL="285750" indent="-285750">
+              <a:buFont typeface="Arial" panose="020B0604020202020204" pitchFamily="34" charset="0"/>
+              <a:buChar char="•"/>
+            </a:pPr>
+            <a:r>
+              <a:rPr lang="en-US" sz="2400" dirty="0">
+                <a:latin typeface="+mn-lt"/>
+              </a:rPr>
+              <a:t>Para </a:t>
+            </a:r>
+            <a:r>
+              <a:rPr lang="en-US" sz="2400" dirty="0" err="1">
+                <a:latin typeface="+mn-lt"/>
+              </a:rPr>
+              <a:t>poder</a:t>
+            </a:r>
+            <a:r>
+              <a:rPr lang="en-US" sz="2400" dirty="0">
+                <a:latin typeface="+mn-lt"/>
+              </a:rPr>
+              <a:t> </a:t>
+            </a:r>
+            <a:r>
+              <a:rPr lang="en-US" sz="2400" dirty="0" err="1">
+                <a:latin typeface="+mn-lt"/>
+              </a:rPr>
+              <a:t>trabajar</a:t>
+            </a:r>
+            <a:r>
+              <a:rPr lang="en-US" sz="2400" dirty="0">
+                <a:latin typeface="+mn-lt"/>
+              </a:rPr>
+              <a:t> con iOS se </a:t>
+            </a:r>
+            <a:r>
+              <a:rPr lang="en-US" sz="2400" dirty="0" err="1">
+                <a:latin typeface="+mn-lt"/>
+              </a:rPr>
+              <a:t>requiere</a:t>
+            </a:r>
+            <a:r>
+              <a:rPr lang="en-US" sz="2400" dirty="0">
+                <a:latin typeface="+mn-lt"/>
+              </a:rPr>
+              <a:t> un mac. </a:t>
+            </a:r>
+            <a:r>
+              <a:rPr lang="en-US" sz="2400" dirty="0" err="1">
+                <a:latin typeface="+mn-lt"/>
+              </a:rPr>
+              <a:t>En</a:t>
+            </a:r>
+            <a:r>
+              <a:rPr lang="en-US" sz="2400" dirty="0">
+                <a:latin typeface="+mn-lt"/>
+              </a:rPr>
+              <a:t> </a:t>
+            </a:r>
+            <a:r>
+              <a:rPr lang="en-US" sz="2400" dirty="0" err="1">
+                <a:latin typeface="+mn-lt"/>
+              </a:rPr>
+              <a:t>el</a:t>
+            </a:r>
+            <a:r>
+              <a:rPr lang="en-US" sz="2400" dirty="0">
+                <a:latin typeface="+mn-lt"/>
+              </a:rPr>
+              <a:t> mac es </a:t>
+            </a:r>
+            <a:r>
+              <a:rPr lang="en-US" sz="2400" dirty="0" err="1">
+                <a:latin typeface="+mn-lt"/>
+              </a:rPr>
+              <a:t>necesario</a:t>
+            </a:r>
+            <a:r>
+              <a:rPr lang="en-US" sz="2400" dirty="0">
+                <a:latin typeface="+mn-lt"/>
+              </a:rPr>
+              <a:t> </a:t>
+            </a:r>
+            <a:r>
+              <a:rPr lang="en-US" sz="2400" dirty="0" err="1">
+                <a:latin typeface="+mn-lt"/>
+              </a:rPr>
+              <a:t>contar</a:t>
+            </a:r>
+            <a:r>
+              <a:rPr lang="en-US" sz="2400" dirty="0">
+                <a:latin typeface="+mn-lt"/>
+              </a:rPr>
+              <a:t> con </a:t>
+            </a:r>
+            <a:r>
+              <a:rPr lang="en-US" sz="2400" b="1" dirty="0" err="1">
+                <a:latin typeface="+mn-lt"/>
+              </a:rPr>
+              <a:t>Xcode</a:t>
+            </a:r>
+            <a:r>
+              <a:rPr lang="en-US" sz="2400" dirty="0">
+                <a:latin typeface="+mn-lt"/>
+              </a:rPr>
+              <a:t> y .NET para iOS </a:t>
+            </a:r>
+            <a:r>
+              <a:rPr lang="en-US" sz="2400" dirty="0" err="1">
+                <a:latin typeface="+mn-lt"/>
+              </a:rPr>
+              <a:t>instalado</a:t>
+            </a:r>
+            <a:r>
+              <a:rPr lang="en-US" sz="2400" dirty="0">
+                <a:latin typeface="+mn-lt"/>
+              </a:rPr>
+              <a:t>. De </a:t>
+            </a:r>
+            <a:r>
+              <a:rPr lang="en-US" sz="2400" dirty="0" err="1">
+                <a:latin typeface="+mn-lt"/>
+              </a:rPr>
+              <a:t>esta</a:t>
+            </a:r>
+            <a:r>
+              <a:rPr lang="en-US" sz="2400" dirty="0">
+                <a:latin typeface="+mn-lt"/>
+              </a:rPr>
+              <a:t> forma </a:t>
+            </a:r>
+            <a:r>
+              <a:rPr lang="en-US" sz="2400" dirty="0" err="1">
+                <a:latin typeface="+mn-lt"/>
+              </a:rPr>
+              <a:t>podremos</a:t>
+            </a:r>
+            <a:r>
+              <a:rPr lang="en-US" sz="2400" dirty="0">
+                <a:latin typeface="+mn-lt"/>
+              </a:rPr>
+              <a:t> </a:t>
+            </a:r>
+            <a:r>
+              <a:rPr lang="en-US" sz="2400" dirty="0" err="1">
+                <a:latin typeface="+mn-lt"/>
+              </a:rPr>
+              <a:t>hacer</a:t>
+            </a:r>
+            <a:r>
+              <a:rPr lang="en-US" sz="2400" dirty="0">
+                <a:latin typeface="+mn-lt"/>
+              </a:rPr>
+              <a:t> una </a:t>
+            </a:r>
+            <a:r>
+              <a:rPr lang="en-US" sz="2400" dirty="0" err="1">
+                <a:latin typeface="+mn-lt"/>
+              </a:rPr>
+              <a:t>conexión</a:t>
+            </a:r>
+            <a:r>
+              <a:rPr lang="en-US" sz="2400" dirty="0">
+                <a:latin typeface="+mn-lt"/>
+              </a:rPr>
+              <a:t> </a:t>
+            </a:r>
+            <a:r>
+              <a:rPr lang="en-US" sz="2400" dirty="0" err="1">
+                <a:latin typeface="+mn-lt"/>
+              </a:rPr>
+              <a:t>remota</a:t>
+            </a:r>
+            <a:r>
+              <a:rPr lang="en-US" sz="2400" dirty="0">
+                <a:latin typeface="+mn-lt"/>
+              </a:rPr>
+              <a:t> y </a:t>
+            </a:r>
+            <a:r>
+              <a:rPr lang="en-US" sz="2400" dirty="0" err="1">
+                <a:latin typeface="+mn-lt"/>
+              </a:rPr>
+              <a:t>depurar</a:t>
+            </a:r>
+            <a:r>
+              <a:rPr lang="en-US" sz="2400" dirty="0">
+                <a:latin typeface="+mn-lt"/>
+              </a:rPr>
+              <a:t> </a:t>
+            </a:r>
+            <a:r>
+              <a:rPr lang="en-US" sz="2400" dirty="0" err="1">
+                <a:latin typeface="+mn-lt"/>
+              </a:rPr>
+              <a:t>aplicaciones</a:t>
+            </a:r>
+            <a:r>
+              <a:rPr lang="en-US" sz="2400" dirty="0">
+                <a:latin typeface="+mn-lt"/>
+              </a:rPr>
+              <a:t> iOS.</a:t>
+            </a:r>
+          </a:p>
+          <a:p>
+            <a:pPr marL="285750" indent="-285750">
+              <a:buFont typeface="Arial" panose="020B0604020202020204" pitchFamily="34" charset="0"/>
+              <a:buChar char="•"/>
+            </a:pPr>
+            <a:endParaRPr lang="en-US" sz="2400" dirty="0">
+              <a:latin typeface="+mn-lt"/>
+            </a:endParaRPr>
+          </a:p>
+          <a:p>
+            <a:pPr marL="285750" indent="-285750">
+              <a:buFont typeface="Arial" panose="020B0604020202020204" pitchFamily="34" charset="0"/>
+              <a:buChar char="•"/>
+            </a:pPr>
+            <a:endParaRPr lang="en-US" sz="2400" dirty="0">
+              <a:latin typeface="+mn-lt"/>
+            </a:endParaRPr>
+          </a:p>
+        </p:txBody>
+      </p:sp>
+    </p:spTree>
+    <p:extLst>
+      <p:ext uri="{BB962C8B-B14F-4D97-AF65-F5344CB8AC3E}">
+        <p14:creationId xmlns:p14="http://schemas.microsoft.com/office/powerpoint/2010/main" val="4047246918"/>
+      </p:ext>
+    </p:extLst>
+  </p:cSld>
+  <p:clrMapOvr>
+    <a:masterClrMapping/>
+  </p:clrMapOvr>
+  <p:transition>
+    <p:fade/>
+  </p:transition>
+</p:sld>
+</file>
+
+<file path=ppt/slides/slide4.xml><?xml version="1.0" encoding="utf-8"?>
 <p:sld xmlns:a="http://schemas.openxmlformats.org/drawingml/2006/main" xmlns:r="http://schemas.openxmlformats.org/officeDocument/2006/relationships" xmlns:p="http://schemas.openxmlformats.org/presentationml/2006/main">
   <p:cSld>
     <p:spTree>

--- a/Bloque 2 - Instalación/Taller4 - Prerequisitos.pptx
+++ b/Bloque 2 - Instalación/Taller4 - Prerequisitos.pptx
@@ -6,13 +6,14 @@
     <p:sldMasterId id="2147483793" r:id="rId2"/>
   </p:sldMasterIdLst>
   <p:notesMasterIdLst>
-    <p:notesMasterId r:id="rId7"/>
+    <p:notesMasterId r:id="rId8"/>
   </p:notesMasterIdLst>
   <p:sldIdLst>
     <p:sldId id="291" r:id="rId3"/>
     <p:sldId id="292" r:id="rId4"/>
     <p:sldId id="2147469519" r:id="rId5"/>
-    <p:sldId id="282" r:id="rId6"/>
+    <p:sldId id="2147469520" r:id="rId6"/>
+    <p:sldId id="282" r:id="rId7"/>
   </p:sldIdLst>
   <p:sldSz cx="12192000" cy="6858000"/>
   <p:notesSz cx="6858000" cy="9144000"/>
@@ -3451,7 +3452,7 @@
           <a:p>
             <a:fld id="{A334C884-B1D7-A043-A4AA-521744755A4B}" type="datetimeFigureOut">
               <a:rPr lang="en-US" smtClean="0"/>
-              <a:t>4/17/2022</a:t>
+              <a:t>4/18/2022</a:t>
             </a:fld>
             <a:endParaRPr lang="en-US"/>
           </a:p>
@@ -3837,7 +3838,7 @@
           <a:p>
             <a:fld id="{E74353ED-ACB2-44BF-A903-985B0AF962B7}" type="datetime1">
               <a:rPr lang="en-US" smtClean="0"/>
-              <a:t>4/17/2022</a:t>
+              <a:t>4/18/2022</a:t>
             </a:fld>
             <a:endParaRPr lang="en-US" dirty="0"/>
           </a:p>
@@ -3861,7 +3862,7 @@
             <a:fld id="{B4008EB6-D09E-4580-8CD6-DDB14511944F}" type="slidenum">
               <a:rPr lang="en-US" smtClean="0"/>
               <a:pPr/>
-              <a:t>4</a:t>
+              <a:t>5</a:t>
             </a:fld>
             <a:endParaRPr lang="en-US" dirty="0"/>
           </a:p>
@@ -6559,7 +6560,7 @@
           <a:p>
             <a:fld id="{0A627400-D089-7447-864B-77479EBD4214}" type="datetimeFigureOut">
               <a:rPr lang="en-US" smtClean="0"/>
-              <a:t>4/17/2022</a:t>
+              <a:t>4/18/2022</a:t>
             </a:fld>
             <a:endParaRPr lang="en-US"/>
           </a:p>
@@ -6757,7 +6758,7 @@
           <a:p>
             <a:fld id="{0A627400-D089-7447-864B-77479EBD4214}" type="datetimeFigureOut">
               <a:rPr lang="en-US" smtClean="0"/>
-              <a:t>4/17/2022</a:t>
+              <a:t>4/18/2022</a:t>
             </a:fld>
             <a:endParaRPr lang="en-US"/>
           </a:p>
@@ -7032,7 +7033,7 @@
           <a:p>
             <a:fld id="{0A627400-D089-7447-864B-77479EBD4214}" type="datetimeFigureOut">
               <a:rPr lang="en-US" smtClean="0"/>
-              <a:t>4/17/2022</a:t>
+              <a:t>4/18/2022</a:t>
             </a:fld>
             <a:endParaRPr lang="en-US"/>
           </a:p>
@@ -7297,7 +7298,7 @@
           <a:p>
             <a:fld id="{0A627400-D089-7447-864B-77479EBD4214}" type="datetimeFigureOut">
               <a:rPr lang="en-US" smtClean="0"/>
-              <a:t>4/17/2022</a:t>
+              <a:t>4/18/2022</a:t>
             </a:fld>
             <a:endParaRPr lang="en-US"/>
           </a:p>
@@ -7909,7 +7910,7 @@
           <a:p>
             <a:fld id="{0A627400-D089-7447-864B-77479EBD4214}" type="datetimeFigureOut">
               <a:rPr lang="en-US" smtClean="0"/>
-              <a:t>4/17/2022</a:t>
+              <a:t>4/18/2022</a:t>
             </a:fld>
             <a:endParaRPr lang="en-US"/>
           </a:p>
@@ -8115,7 +8116,7 @@
           <a:p>
             <a:fld id="{0A627400-D089-7447-864B-77479EBD4214}" type="datetimeFigureOut">
               <a:rPr lang="en-US" smtClean="0"/>
-              <a:t>4/17/2022</a:t>
+              <a:t>4/18/2022</a:t>
             </a:fld>
             <a:endParaRPr lang="en-US"/>
           </a:p>
@@ -8257,7 +8258,7 @@
             <a:fld id="{0A627400-D089-7447-864B-77479EBD4214}" type="datetimeFigureOut">
               <a:rPr lang="en-US" smtClean="0"/>
               <a:pPr/>
-              <a:t>4/17/2022</a:t>
+              <a:t>4/18/2022</a:t>
             </a:fld>
             <a:endParaRPr lang="en-US"/>
           </a:p>
@@ -8421,7 +8422,7 @@
           <a:p>
             <a:fld id="{0A627400-D089-7447-864B-77479EBD4214}" type="datetimeFigureOut">
               <a:rPr lang="en-US" smtClean="0"/>
-              <a:t>4/17/2022</a:t>
+              <a:t>4/18/2022</a:t>
             </a:fld>
             <a:endParaRPr lang="en-US"/>
           </a:p>
@@ -8534,7 +8535,7 @@
           <a:p>
             <a:fld id="{0A627400-D089-7447-864B-77479EBD4214}" type="datetimeFigureOut">
               <a:rPr lang="en-US" smtClean="0"/>
-              <a:t>4/17/2022</a:t>
+              <a:t>4/18/2022</a:t>
             </a:fld>
             <a:endParaRPr lang="en-US"/>
           </a:p>
@@ -8845,7 +8846,7 @@
           <a:p>
             <a:fld id="{0A627400-D089-7447-864B-77479EBD4214}" type="datetimeFigureOut">
               <a:rPr lang="en-US" smtClean="0"/>
-              <a:t>4/17/2022</a:t>
+              <a:t>4/18/2022</a:t>
             </a:fld>
             <a:endParaRPr lang="en-US"/>
           </a:p>
@@ -9133,7 +9134,7 @@
           <a:p>
             <a:fld id="{0A627400-D089-7447-864B-77479EBD4214}" type="datetimeFigureOut">
               <a:rPr lang="en-US" smtClean="0"/>
-              <a:t>4/17/2022</a:t>
+              <a:t>4/18/2022</a:t>
             </a:fld>
             <a:endParaRPr lang="en-US"/>
           </a:p>
@@ -11385,7 +11386,7 @@
             <a:fld id="{0A627400-D089-7447-864B-77479EBD4214}" type="datetimeFigureOut">
               <a:rPr lang="en-US" smtClean="0"/>
               <a:pPr/>
-              <a:t>4/17/2022</a:t>
+              <a:t>4/18/2022</a:t>
             </a:fld>
             <a:endParaRPr lang="en-US"/>
           </a:p>
@@ -12153,7 +12154,7 @@
           <a:p>
             <a:r>
               <a:rPr lang="es-ES" dirty="0"/>
-              <a:t>Requisitos</a:t>
+              <a:t>Entornos de desarrollo</a:t>
             </a:r>
             <a:endParaRPr lang="en-US" dirty="0"/>
           </a:p>
@@ -12174,14 +12175,14 @@
           <p:nvPr>
             <p:extLst>
               <p:ext uri="{D42A27DB-BD31-4B8C-83A1-F6EECF244321}">
-                <p14:modId xmlns:p14="http://schemas.microsoft.com/office/powerpoint/2010/main" val="1753043991"/>
+                <p14:modId xmlns:p14="http://schemas.microsoft.com/office/powerpoint/2010/main" val="2176476038"/>
               </p:ext>
             </p:extLst>
           </p:nvPr>
         </p:nvGraphicFramePr>
         <p:xfrm>
           <a:off x="486004" y="1379542"/>
-          <a:ext cx="11118393" cy="2483612"/>
+          <a:ext cx="11118393" cy="3290570"/>
         </p:xfrm>
         <a:graphic>
           <a:graphicData uri="http://schemas.openxmlformats.org/drawingml/2006/table">
@@ -12310,6 +12311,28 @@
                       <a:r>
                         <a:rPr lang="es-ES" dirty="0" err="1"/>
                         <a:t>Preview</a:t>
+                      </a:r>
+                      <a:endParaRPr lang="es-ES" dirty="0"/>
+                    </a:p>
+                    <a:p>
+                      <a:endParaRPr lang="es-ES" dirty="0"/>
+                    </a:p>
+                    <a:p>
+                      <a:r>
+                        <a:rPr lang="es-ES" dirty="0"/>
+                        <a:t>No oficial: Visual Studio </a:t>
+                      </a:r>
+                      <a:r>
+                        <a:rPr lang="es-ES" dirty="0" err="1"/>
+                        <a:t>Code</a:t>
+                      </a:r>
+                      <a:r>
+                        <a:rPr lang="es-ES" dirty="0"/>
+                        <a:t> + Comet </a:t>
+                      </a:r>
+                      <a:r>
+                        <a:rPr lang="es-ES" dirty="0" err="1"/>
+                        <a:t>Extension</a:t>
                       </a:r>
                       <a:endParaRPr lang="en-US" dirty="0"/>
                     </a:p>
@@ -12526,6 +12549,66 @@
           </a:graphicData>
         </a:graphic>
       </p:graphicFrame>
+      <p:sp>
+        <p:nvSpPr>
+          <p:cNvPr id="5" name="TextBox 4">
+            <a:extLst>
+              <a:ext uri="{FF2B5EF4-FFF2-40B4-BE49-F238E27FC236}">
+                <a16:creationId xmlns:a16="http://schemas.microsoft.com/office/drawing/2014/main" id="{348AD85A-4E52-4BAF-8760-B8AFE610988E}"/>
+              </a:ext>
+            </a:extLst>
+          </p:cNvPr>
+          <p:cNvSpPr txBox="1"/>
+          <p:nvPr/>
+        </p:nvSpPr>
+        <p:spPr>
+          <a:xfrm>
+            <a:off x="486003" y="4968613"/>
+            <a:ext cx="11118393" cy="523220"/>
+          </a:xfrm>
+          <a:prstGeom prst="rect">
+            <a:avLst/>
+          </a:prstGeom>
+          <a:noFill/>
+        </p:spPr>
+        <p:txBody>
+          <a:bodyPr wrap="square">
+            <a:spAutoFit/>
+          </a:bodyPr>
+          <a:lstStyle/>
+          <a:p>
+            <a:r>
+              <a:rPr lang="es-ES" sz="1400" b="0" i="0" dirty="0">
+                <a:solidFill>
+                  <a:srgbClr val="171717"/>
+                </a:solidFill>
+                <a:effectLst/>
+                <a:latin typeface="Segoe UI" panose="020B0502040204020203" pitchFamily="34" charset="0"/>
+              </a:rPr>
+              <a:t>NOTA: Para desarrollar para iOS en equipos Windows debe haber un </a:t>
+            </a:r>
+            <a:r>
+              <a:rPr lang="es-ES" sz="1400" b="1" i="0" u="none" strike="noStrike" dirty="0">
+                <a:effectLst/>
+                <a:latin typeface="Segoe UI" panose="020B0502040204020203" pitchFamily="34" charset="0"/>
+                <a:hlinkClick r:id="rId2"/>
+              </a:rPr>
+              <a:t>equipo Mac accesible en la red</a:t>
+            </a:r>
+            <a:r>
+              <a:rPr lang="es-ES" sz="1400" b="0" i="0" dirty="0">
+                <a:solidFill>
+                  <a:srgbClr val="171717"/>
+                </a:solidFill>
+                <a:effectLst/>
+                <a:latin typeface="Segoe UI" panose="020B0502040204020203" pitchFamily="34" charset="0"/>
+              </a:rPr>
+              <a:t>, para la depuración y compilación remota. Esto también funciona si ejecuta Visual Studio dentro de una máquina virtual de Windows en un equipo Mac.</a:t>
+            </a:r>
+            <a:endParaRPr lang="en-US" sz="1400" dirty="0"/>
+          </a:p>
+        </p:txBody>
+      </p:sp>
     </p:spTree>
     <p:extLst>
       <p:ext uri="{BB962C8B-B14F-4D97-AF65-F5344CB8AC3E}">
@@ -13248,6 +13331,495 @@
 </file>
 
 <file path=ppt/slides/slide4.xml><?xml version="1.0" encoding="utf-8"?>
+<p:sld xmlns:a="http://schemas.openxmlformats.org/drawingml/2006/main" xmlns:r="http://schemas.openxmlformats.org/officeDocument/2006/relationships" xmlns:p="http://schemas.openxmlformats.org/presentationml/2006/main">
+  <p:cSld>
+    <p:spTree>
+      <p:nvGrpSpPr>
+        <p:cNvPr id="1" name=""/>
+        <p:cNvGrpSpPr/>
+        <p:nvPr/>
+      </p:nvGrpSpPr>
+      <p:grpSpPr>
+        <a:xfrm>
+          <a:off x="0" y="0"/>
+          <a:ext cx="0" cy="0"/>
+          <a:chOff x="0" y="0"/>
+          <a:chExt cx="0" cy="0"/>
+        </a:xfrm>
+      </p:grpSpPr>
+      <p:sp>
+        <p:nvSpPr>
+          <p:cNvPr id="5" name="Title 1">
+            <a:extLst>
+              <a:ext uri="{FF2B5EF4-FFF2-40B4-BE49-F238E27FC236}">
+                <a16:creationId xmlns:a16="http://schemas.microsoft.com/office/drawing/2014/main" id="{01388D49-B47C-45BB-B53B-F6092580BE6E}"/>
+              </a:ext>
+            </a:extLst>
+          </p:cNvPr>
+          <p:cNvSpPr>
+            <a:spLocks noGrp="1"/>
+          </p:cNvSpPr>
+          <p:nvPr>
+            <p:ph type="title"/>
+          </p:nvPr>
+        </p:nvSpPr>
+        <p:spPr>
+          <a:xfrm>
+            <a:off x="457200" y="1123122"/>
+            <a:ext cx="7706412" cy="591378"/>
+          </a:xfrm>
+        </p:spPr>
+        <p:txBody>
+          <a:bodyPr>
+            <a:noAutofit/>
+          </a:bodyPr>
+          <a:lstStyle/>
+          <a:p>
+            <a:r>
+              <a:rPr lang="es-ES" sz="4710" dirty="0">
+                <a:latin typeface="Segoe UI Light (Headings)"/>
+                <a:cs typeface="Segoe UI Semibold"/>
+              </a:rPr>
+              <a:t>A</a:t>
+            </a:r>
+            <a:r>
+              <a:rPr lang="en-US" sz="4710" dirty="0">
+                <a:latin typeface="Segoe UI Light (Headings)"/>
+                <a:cs typeface="Segoe UI Semibold"/>
+              </a:rPr>
+              <a:t> </a:t>
+            </a:r>
+            <a:r>
+              <a:rPr lang="en-US" sz="4710" dirty="0" err="1">
+                <a:latin typeface="Segoe UI Light (Headings)"/>
+                <a:cs typeface="Segoe UI Semibold"/>
+              </a:rPr>
+              <a:t>tener</a:t>
+            </a:r>
+            <a:r>
+              <a:rPr lang="en-US" sz="4710" dirty="0">
+                <a:latin typeface="Segoe UI Light (Headings)"/>
+                <a:cs typeface="Segoe UI Semibold"/>
+              </a:rPr>
+              <a:t> </a:t>
+            </a:r>
+            <a:r>
+              <a:rPr lang="en-US" sz="4710" dirty="0" err="1">
+                <a:latin typeface="Segoe UI Light (Headings)"/>
+                <a:cs typeface="Segoe UI Semibold"/>
+              </a:rPr>
+              <a:t>en</a:t>
+            </a:r>
+            <a:r>
+              <a:rPr lang="en-US" sz="4710" dirty="0">
+                <a:latin typeface="Segoe UI Light (Headings)"/>
+                <a:cs typeface="Segoe UI Semibold"/>
+              </a:rPr>
+              <a:t> </a:t>
+            </a:r>
+            <a:r>
+              <a:rPr lang="en-US" sz="4710" dirty="0" err="1">
+                <a:latin typeface="Segoe UI Light (Headings)"/>
+                <a:cs typeface="Segoe UI Semibold"/>
+              </a:rPr>
+              <a:t>cuenta</a:t>
+            </a:r>
+            <a:endParaRPr lang="en-US" sz="4710" dirty="0">
+              <a:latin typeface="Segoe UI Light (Headings)"/>
+            </a:endParaRPr>
+          </a:p>
+        </p:txBody>
+      </p:sp>
+      <p:sp>
+        <p:nvSpPr>
+          <p:cNvPr id="6" name="Content Placeholder 2">
+            <a:extLst>
+              <a:ext uri="{FF2B5EF4-FFF2-40B4-BE49-F238E27FC236}">
+                <a16:creationId xmlns:a16="http://schemas.microsoft.com/office/drawing/2014/main" id="{AC81F8B9-8203-4DB3-932F-AB15DF79780D}"/>
+              </a:ext>
+            </a:extLst>
+          </p:cNvPr>
+          <p:cNvSpPr txBox="1">
+            <a:spLocks/>
+          </p:cNvSpPr>
+          <p:nvPr/>
+        </p:nvSpPr>
+        <p:spPr>
+          <a:xfrm>
+            <a:off x="457200" y="2142642"/>
+            <a:ext cx="11034074" cy="3761754"/>
+          </a:xfrm>
+          <a:prstGeom prst="rect">
+            <a:avLst/>
+          </a:prstGeom>
+        </p:spPr>
+        <p:txBody>
+          <a:bodyPr vert="horz" lIns="91440" tIns="45720" rIns="91440" bIns="45720" rtlCol="0" anchor="t">
+            <a:normAutofit/>
+          </a:bodyPr>
+          <a:lstStyle>
+            <a:lvl1pPr marL="336145" marR="0" indent="-336145" algn="l" defTabSz="914367" rtl="0" eaLnBrk="1" fontAlgn="auto" latinLnBrk="0" hangingPunct="1">
+              <a:lnSpc>
+                <a:spcPct val="90000"/>
+              </a:lnSpc>
+              <a:spcBef>
+                <a:spcPct val="20000"/>
+              </a:spcBef>
+              <a:spcAft>
+                <a:spcPts val="0"/>
+              </a:spcAft>
+              <a:buClrTx/>
+              <a:buSzPct val="90000"/>
+              <a:buFont typeface="Arial" pitchFamily="34" charset="0"/>
+              <a:buChar char="•"/>
+              <a:tabLst/>
+              <a:defRPr sz="3921" kern="1200" spc="0" baseline="0">
+                <a:gradFill>
+                  <a:gsLst>
+                    <a:gs pos="1250">
+                      <a:schemeClr val="tx1"/>
+                    </a:gs>
+                    <a:gs pos="100000">
+                      <a:schemeClr val="tx1"/>
+                    </a:gs>
+                  </a:gsLst>
+                  <a:lin ang="5400000" scaled="0"/>
+                </a:gradFill>
+                <a:latin typeface="+mj-lt"/>
+                <a:ea typeface="+mn-ea"/>
+                <a:cs typeface="+mn-cs"/>
+              </a:defRPr>
+            </a:lvl1pPr>
+            <a:lvl2pPr marL="572691" marR="0" indent="-236546" algn="l" defTabSz="914367" rtl="0" eaLnBrk="1" fontAlgn="auto" latinLnBrk="0" hangingPunct="1">
+              <a:lnSpc>
+                <a:spcPct val="90000"/>
+              </a:lnSpc>
+              <a:spcBef>
+                <a:spcPct val="20000"/>
+              </a:spcBef>
+              <a:spcAft>
+                <a:spcPts val="0"/>
+              </a:spcAft>
+              <a:buClrTx/>
+              <a:buSzPct val="90000"/>
+              <a:buFont typeface="Arial" pitchFamily="34" charset="0"/>
+              <a:buChar char="•"/>
+              <a:tabLst/>
+              <a:defRPr sz="2353" kern="1200" spc="0" baseline="0">
+                <a:gradFill>
+                  <a:gsLst>
+                    <a:gs pos="1250">
+                      <a:schemeClr val="tx1"/>
+                    </a:gs>
+                    <a:gs pos="100000">
+                      <a:schemeClr val="tx1"/>
+                    </a:gs>
+                  </a:gsLst>
+                  <a:lin ang="5400000" scaled="0"/>
+                </a:gradFill>
+                <a:latin typeface="+mn-lt"/>
+                <a:ea typeface="+mn-ea"/>
+                <a:cs typeface="+mn-cs"/>
+              </a:defRPr>
+            </a:lvl2pPr>
+            <a:lvl3pPr marL="784338" marR="0" indent="-224097" algn="l" defTabSz="914367" rtl="0" eaLnBrk="1" fontAlgn="auto" latinLnBrk="0" hangingPunct="1">
+              <a:lnSpc>
+                <a:spcPct val="90000"/>
+              </a:lnSpc>
+              <a:spcBef>
+                <a:spcPct val="20000"/>
+              </a:spcBef>
+              <a:spcAft>
+                <a:spcPts val="0"/>
+              </a:spcAft>
+              <a:buClrTx/>
+              <a:buSzPct val="90000"/>
+              <a:buFont typeface="Arial" pitchFamily="34" charset="0"/>
+              <a:buChar char="•"/>
+              <a:tabLst/>
+              <a:defRPr sz="1961" kern="1200" spc="0" baseline="0">
+                <a:gradFill>
+                  <a:gsLst>
+                    <a:gs pos="1250">
+                      <a:schemeClr val="tx1"/>
+                    </a:gs>
+                    <a:gs pos="100000">
+                      <a:schemeClr val="tx1"/>
+                    </a:gs>
+                  </a:gsLst>
+                  <a:lin ang="5400000" scaled="0"/>
+                </a:gradFill>
+                <a:latin typeface="+mn-lt"/>
+                <a:ea typeface="+mn-ea"/>
+                <a:cs typeface="+mn-cs"/>
+              </a:defRPr>
+            </a:lvl3pPr>
+            <a:lvl4pPr marL="1008435" marR="0" indent="-224097" algn="l" defTabSz="914367" rtl="0" eaLnBrk="1" fontAlgn="auto" latinLnBrk="0" hangingPunct="1">
+              <a:lnSpc>
+                <a:spcPct val="90000"/>
+              </a:lnSpc>
+              <a:spcBef>
+                <a:spcPct val="20000"/>
+              </a:spcBef>
+              <a:spcAft>
+                <a:spcPts val="0"/>
+              </a:spcAft>
+              <a:buClrTx/>
+              <a:buSzPct val="90000"/>
+              <a:buFont typeface="Arial" pitchFamily="34" charset="0"/>
+              <a:buChar char="•"/>
+              <a:tabLst/>
+              <a:defRPr sz="1765" kern="1200" spc="0" baseline="0">
+                <a:gradFill>
+                  <a:gsLst>
+                    <a:gs pos="1250">
+                      <a:schemeClr val="tx1"/>
+                    </a:gs>
+                    <a:gs pos="100000">
+                      <a:schemeClr val="tx1"/>
+                    </a:gs>
+                  </a:gsLst>
+                  <a:lin ang="5400000" scaled="0"/>
+                </a:gradFill>
+                <a:latin typeface="+mn-lt"/>
+                <a:ea typeface="+mn-ea"/>
+                <a:cs typeface="+mn-cs"/>
+              </a:defRPr>
+            </a:lvl4pPr>
+            <a:lvl5pPr marL="1232531" marR="0" indent="-224097" algn="l" defTabSz="914367" rtl="0" eaLnBrk="1" fontAlgn="auto" latinLnBrk="0" hangingPunct="1">
+              <a:lnSpc>
+                <a:spcPct val="90000"/>
+              </a:lnSpc>
+              <a:spcBef>
+                <a:spcPct val="20000"/>
+              </a:spcBef>
+              <a:spcAft>
+                <a:spcPts val="0"/>
+              </a:spcAft>
+              <a:buClrTx/>
+              <a:buSzPct val="90000"/>
+              <a:buFont typeface="Arial" pitchFamily="34" charset="0"/>
+              <a:buChar char="•"/>
+              <a:tabLst/>
+              <a:defRPr sz="1765" kern="1200" spc="0" baseline="0">
+                <a:gradFill>
+                  <a:gsLst>
+                    <a:gs pos="1250">
+                      <a:schemeClr val="tx1"/>
+                    </a:gs>
+                    <a:gs pos="100000">
+                      <a:schemeClr val="tx1"/>
+                    </a:gs>
+                  </a:gsLst>
+                  <a:lin ang="5400000" scaled="0"/>
+                </a:gradFill>
+                <a:latin typeface="+mn-lt"/>
+                <a:ea typeface="+mn-ea"/>
+                <a:cs typeface="+mn-cs"/>
+              </a:defRPr>
+            </a:lvl5pPr>
+            <a:lvl6pPr marL="2514509" indent="-228592" algn="l" defTabSz="914367" rtl="0" eaLnBrk="1" latinLnBrk="0" hangingPunct="1">
+              <a:spcBef>
+                <a:spcPct val="20000"/>
+              </a:spcBef>
+              <a:buFont typeface="Arial" pitchFamily="34" charset="0"/>
+              <a:buChar char="•"/>
+              <a:defRPr sz="1961" kern="1200">
+                <a:solidFill>
+                  <a:schemeClr val="tx1"/>
+                </a:solidFill>
+                <a:latin typeface="+mn-lt"/>
+                <a:ea typeface="+mn-ea"/>
+                <a:cs typeface="+mn-cs"/>
+              </a:defRPr>
+            </a:lvl6pPr>
+            <a:lvl7pPr marL="2971693" indent="-228592" algn="l" defTabSz="914367" rtl="0" eaLnBrk="1" latinLnBrk="0" hangingPunct="1">
+              <a:spcBef>
+                <a:spcPct val="20000"/>
+              </a:spcBef>
+              <a:buFont typeface="Arial" pitchFamily="34" charset="0"/>
+              <a:buChar char="•"/>
+              <a:defRPr sz="1961" kern="1200">
+                <a:solidFill>
+                  <a:schemeClr val="tx1"/>
+                </a:solidFill>
+                <a:latin typeface="+mn-lt"/>
+                <a:ea typeface="+mn-ea"/>
+                <a:cs typeface="+mn-cs"/>
+              </a:defRPr>
+            </a:lvl7pPr>
+            <a:lvl8pPr marL="3428877" indent="-228592" algn="l" defTabSz="914367" rtl="0" eaLnBrk="1" latinLnBrk="0" hangingPunct="1">
+              <a:spcBef>
+                <a:spcPct val="20000"/>
+              </a:spcBef>
+              <a:buFont typeface="Arial" pitchFamily="34" charset="0"/>
+              <a:buChar char="•"/>
+              <a:defRPr sz="1961" kern="1200">
+                <a:solidFill>
+                  <a:schemeClr val="tx1"/>
+                </a:solidFill>
+                <a:latin typeface="+mn-lt"/>
+                <a:ea typeface="+mn-ea"/>
+                <a:cs typeface="+mn-cs"/>
+              </a:defRPr>
+            </a:lvl8pPr>
+            <a:lvl9pPr marL="3886061" indent="-228592" algn="l" defTabSz="914367" rtl="0" eaLnBrk="1" latinLnBrk="0" hangingPunct="1">
+              <a:spcBef>
+                <a:spcPct val="20000"/>
+              </a:spcBef>
+              <a:buFont typeface="Arial" pitchFamily="34" charset="0"/>
+              <a:buChar char="•"/>
+              <a:defRPr sz="1961" kern="1200">
+                <a:solidFill>
+                  <a:schemeClr val="tx1"/>
+                </a:solidFill>
+                <a:latin typeface="+mn-lt"/>
+                <a:ea typeface="+mn-ea"/>
+                <a:cs typeface="+mn-cs"/>
+              </a:defRPr>
+            </a:lvl9pPr>
+          </a:lstStyle>
+          <a:p>
+            <a:pPr marL="0" indent="0">
+              <a:lnSpc>
+                <a:spcPct val="150000"/>
+              </a:lnSpc>
+              <a:buNone/>
+            </a:pPr>
+            <a:r>
+              <a:rPr lang="en-US" sz="2400" dirty="0">
+                <a:latin typeface="+mn-lt"/>
+              </a:rPr>
+              <a:t>Hay </a:t>
+            </a:r>
+            <a:r>
+              <a:rPr lang="en-US" sz="2400" dirty="0" err="1">
+                <a:latin typeface="+mn-lt"/>
+              </a:rPr>
+              <a:t>detalles</a:t>
+            </a:r>
+            <a:r>
+              <a:rPr lang="en-US" sz="2400" dirty="0">
+                <a:latin typeface="+mn-lt"/>
+              </a:rPr>
+              <a:t> a </a:t>
+            </a:r>
+            <a:r>
+              <a:rPr lang="en-US" sz="2400" dirty="0" err="1">
+                <a:latin typeface="+mn-lt"/>
+              </a:rPr>
+              <a:t>tener</a:t>
+            </a:r>
+            <a:r>
+              <a:rPr lang="en-US" sz="2400" dirty="0">
+                <a:latin typeface="+mn-lt"/>
+              </a:rPr>
+              <a:t> </a:t>
+            </a:r>
+            <a:r>
+              <a:rPr lang="en-US" sz="2400" dirty="0" err="1">
+                <a:latin typeface="+mn-lt"/>
+              </a:rPr>
+              <a:t>en</a:t>
+            </a:r>
+            <a:r>
+              <a:rPr lang="en-US" sz="2400" dirty="0">
+                <a:latin typeface="+mn-lt"/>
+              </a:rPr>
+              <a:t> </a:t>
+            </a:r>
+            <a:r>
+              <a:rPr lang="en-US" sz="2400" dirty="0" err="1">
+                <a:latin typeface="+mn-lt"/>
+              </a:rPr>
+              <a:t>cuenta</a:t>
+            </a:r>
+            <a:r>
+              <a:rPr lang="en-US" sz="2400" dirty="0">
+                <a:latin typeface="+mn-lt"/>
+              </a:rPr>
+              <a:t>:</a:t>
+            </a:r>
+          </a:p>
+          <a:p>
+            <a:pPr marL="285750" indent="-285750">
+              <a:buFont typeface="Arial" panose="020B0604020202020204" pitchFamily="34" charset="0"/>
+              <a:buChar char="•"/>
+            </a:pPr>
+            <a:r>
+              <a:rPr lang="es-ES" sz="2400" dirty="0">
+                <a:latin typeface="+mn-lt"/>
+              </a:rPr>
+              <a:t>Las aplicaciones de .NET MAUI compiladas en macOS pueden incluir proyectos de iOS, Android y macOS, siempre que cumplan los requisitos de SDK iOS, Android y </a:t>
+            </a:r>
+            <a:r>
+              <a:rPr lang="es-ES" sz="2400" dirty="0" err="1">
+                <a:latin typeface="+mn-lt"/>
+              </a:rPr>
+              <a:t>MacCatalyst</a:t>
+            </a:r>
+            <a:r>
+              <a:rPr lang="es-ES" sz="2400" dirty="0">
+                <a:latin typeface="+mn-lt"/>
+              </a:rPr>
+              <a:t>.</a:t>
+            </a:r>
+          </a:p>
+          <a:p>
+            <a:pPr marL="285750" indent="-285750">
+              <a:buFont typeface="Arial" panose="020B0604020202020204" pitchFamily="34" charset="0"/>
+              <a:buChar char="•"/>
+            </a:pPr>
+            <a:r>
+              <a:rPr lang="es-ES" sz="2400" dirty="0">
+                <a:latin typeface="+mn-lt"/>
+              </a:rPr>
+              <a:t>Los proyectos de .NET MAUI  para Windows (</a:t>
+            </a:r>
+            <a:r>
+              <a:rPr lang="es-ES" sz="2400" dirty="0" err="1">
+                <a:latin typeface="+mn-lt"/>
+              </a:rPr>
+              <a:t>WinUI</a:t>
+            </a:r>
+            <a:r>
+              <a:rPr lang="es-ES" sz="2400" dirty="0">
+                <a:latin typeface="+mn-lt"/>
+              </a:rPr>
+              <a:t> 3) no se pueden compilar en macOS.</a:t>
+            </a:r>
+            <a:endParaRPr lang="en-US" sz="2400" dirty="0">
+              <a:latin typeface="+mn-lt"/>
+            </a:endParaRPr>
+          </a:p>
+          <a:p>
+            <a:pPr marL="285750" indent="-285750">
+              <a:buFont typeface="Arial" panose="020B0604020202020204" pitchFamily="34" charset="0"/>
+              <a:buChar char="•"/>
+            </a:pPr>
+            <a:endParaRPr lang="en-US" sz="2400" dirty="0">
+              <a:latin typeface="+mn-lt"/>
+            </a:endParaRPr>
+          </a:p>
+        </p:txBody>
+      </p:sp>
+    </p:spTree>
+    <p:extLst>
+      <p:ext uri="{BB962C8B-B14F-4D97-AF65-F5344CB8AC3E}">
+        <p14:creationId xmlns:p14="http://schemas.microsoft.com/office/powerpoint/2010/main" val="657755152"/>
+      </p:ext>
+    </p:extLst>
+  </p:cSld>
+  <p:clrMapOvr>
+    <a:masterClrMapping/>
+  </p:clrMapOvr>
+  <p:transition>
+    <p:fade/>
+  </p:transition>
+</p:sld>
+</file>
+
+<file path=ppt/slides/slide5.xml><?xml version="1.0" encoding="utf-8"?>
 <p:sld xmlns:a="http://schemas.openxmlformats.org/drawingml/2006/main" xmlns:r="http://schemas.openxmlformats.org/officeDocument/2006/relationships" xmlns:p="http://schemas.openxmlformats.org/presentationml/2006/main">
   <p:cSld>
     <p:spTree>
